--- a/Insights into the Posey Database.pptx
+++ b/Insights into the Posey Database.pptx
@@ -5,15 +5,20 @@
     <p:sldMasterId id="2147483660" r:id="rId1"/>
   </p:sldMasterIdLst>
   <p:notesMasterIdLst>
-    <p:notesMasterId r:id="rId5"/>
+    <p:notesMasterId r:id="rId10"/>
   </p:notesMasterIdLst>
   <p:handoutMasterIdLst>
-    <p:handoutMasterId r:id="rId6"/>
+    <p:handoutMasterId r:id="rId11"/>
   </p:handoutMasterIdLst>
   <p:sldIdLst>
     <p:sldId id="256" r:id="rId2"/>
     <p:sldId id="257" r:id="rId3"/>
-    <p:sldId id="258" r:id="rId4"/>
+    <p:sldId id="261" r:id="rId4"/>
+    <p:sldId id="259" r:id="rId5"/>
+    <p:sldId id="260" r:id="rId6"/>
+    <p:sldId id="262" r:id="rId7"/>
+    <p:sldId id="263" r:id="rId8"/>
+    <p:sldId id="258" r:id="rId9"/>
   </p:sldIdLst>
   <p:sldSz cx="12188825" cy="6858000"/>
   <p:notesSz cx="6858000" cy="9144000"/>
@@ -3750,9 +3755,12 @@
 <p:sldMaster xmlns:a="http://schemas.openxmlformats.org/drawingml/2006/main" xmlns:r="http://schemas.openxmlformats.org/officeDocument/2006/relationships" xmlns:p="http://schemas.openxmlformats.org/presentationml/2006/main">
   <p:cSld>
     <p:bg bwMode="ltGray">
-      <p:bgRef idx="1003">
-        <a:schemeClr val="bg2"/>
-      </p:bgRef>
+      <p:bgPr>
+        <a:solidFill>
+          <a:schemeClr val="bg1"/>
+        </a:solidFill>
+        <a:effectLst/>
+      </p:bgPr>
     </p:bg>
     <p:spTree>
       <p:nvGrpSpPr>
@@ -4494,6 +4502,36 @@
           <a:chExt cx="0" cy="0"/>
         </a:xfrm>
       </p:grpSpPr>
+      <p:pic>
+        <p:nvPicPr>
+          <p:cNvPr id="8" name="Picture 7">
+            <a:extLst>
+              <a:ext uri="{FF2B5EF4-FFF2-40B4-BE49-F238E27FC236}">
+                <a16:creationId xmlns:a16="http://schemas.microsoft.com/office/drawing/2014/main" id="{E7DC141E-F382-5FB4-2BE3-EE49FF67D85B}"/>
+              </a:ext>
+            </a:extLst>
+          </p:cNvPr>
+          <p:cNvPicPr>
+            <a:picLocks noChangeAspect="1"/>
+          </p:cNvPicPr>
+          <p:nvPr/>
+        </p:nvPicPr>
+        <p:blipFill>
+          <a:blip r:embed="rId2"/>
+          <a:stretch>
+            <a:fillRect/>
+          </a:stretch>
+        </p:blipFill>
+        <p:spPr>
+          <a:xfrm>
+            <a:off x="1026410" y="476672"/>
+            <a:ext cx="10136004" cy="5904656"/>
+          </a:xfrm>
+          <a:prstGeom prst="rect">
+            <a:avLst/>
+          </a:prstGeom>
+        </p:spPr>
+      </p:pic>
     </p:spTree>
     <p:extLst>
       <p:ext uri="{BB962C8B-B14F-4D97-AF65-F5344CB8AC3E}">
@@ -4520,6 +4558,427 @@
 </file>
 
 <file path=ppt/slides/slide3.xml><?xml version="1.0" encoding="utf-8"?>
+<p:sld xmlns:a="http://schemas.openxmlformats.org/drawingml/2006/main" xmlns:r="http://schemas.openxmlformats.org/officeDocument/2006/relationships" xmlns:p="http://schemas.openxmlformats.org/presentationml/2006/main">
+  <p:cSld>
+    <p:spTree>
+      <p:nvGrpSpPr>
+        <p:cNvPr id="1" name=""/>
+        <p:cNvGrpSpPr/>
+        <p:nvPr/>
+      </p:nvGrpSpPr>
+      <p:grpSpPr>
+        <a:xfrm>
+          <a:off x="0" y="0"/>
+          <a:ext cx="0" cy="0"/>
+          <a:chOff x="0" y="0"/>
+          <a:chExt cx="0" cy="0"/>
+        </a:xfrm>
+      </p:grpSpPr>
+      <p:pic>
+        <p:nvPicPr>
+          <p:cNvPr id="8" name="Picture 7">
+            <a:extLst>
+              <a:ext uri="{FF2B5EF4-FFF2-40B4-BE49-F238E27FC236}">
+                <a16:creationId xmlns:a16="http://schemas.microsoft.com/office/drawing/2014/main" id="{E7DC141E-F382-5FB4-2BE3-EE49FF67D85B}"/>
+              </a:ext>
+            </a:extLst>
+          </p:cNvPr>
+          <p:cNvPicPr>
+            <a:picLocks noChangeAspect="1"/>
+          </p:cNvPicPr>
+          <p:nvPr/>
+        </p:nvPicPr>
+        <p:blipFill>
+          <a:blip r:embed="rId2">
+            <a:extLst>
+              <a:ext uri="{96DAC541-7B7A-43D3-8B79-37D633B846F1}">
+                <asvg:svgBlip xmlns:asvg="http://schemas.microsoft.com/office/drawing/2016/SVG/main" r:embed="rId3"/>
+              </a:ext>
+            </a:extLst>
+          </a:blip>
+          <a:srcRect/>
+          <a:stretch/>
+        </p:blipFill>
+        <p:spPr>
+          <a:xfrm>
+            <a:off x="1455575" y="625927"/>
+            <a:ext cx="9277674" cy="5606144"/>
+          </a:xfrm>
+          <a:prstGeom prst="rect">
+            <a:avLst/>
+          </a:prstGeom>
+        </p:spPr>
+      </p:pic>
+    </p:spTree>
+    <p:extLst>
+      <p:ext uri="{BB962C8B-B14F-4D97-AF65-F5344CB8AC3E}">
+        <p14:creationId xmlns:p14="http://schemas.microsoft.com/office/powerpoint/2010/main" val="1751508344"/>
+      </p:ext>
+    </p:extLst>
+  </p:cSld>
+  <p:clrMapOvr>
+    <a:masterClrMapping/>
+  </p:clrMapOvr>
+  <mc:AlternateContent xmlns:mc="http://schemas.openxmlformats.org/markup-compatibility/2006">
+    <mc:Choice xmlns:p14="http://schemas.microsoft.com/office/powerpoint/2010/main" Requires="p14">
+      <p:transition spd="med" p14:dur="700">
+        <p:fade/>
+      </p:transition>
+    </mc:Choice>
+    <mc:Fallback>
+      <p:transition spd="med">
+        <p:fade/>
+      </p:transition>
+    </mc:Fallback>
+  </mc:AlternateContent>
+</p:sld>
+</file>
+
+<file path=ppt/slides/slide4.xml><?xml version="1.0" encoding="utf-8"?>
+<p:sld xmlns:a="http://schemas.openxmlformats.org/drawingml/2006/main" xmlns:r="http://schemas.openxmlformats.org/officeDocument/2006/relationships" xmlns:p="http://schemas.openxmlformats.org/presentationml/2006/main">
+  <p:cSld>
+    <p:spTree>
+      <p:nvGrpSpPr>
+        <p:cNvPr id="1" name=""/>
+        <p:cNvGrpSpPr/>
+        <p:nvPr/>
+      </p:nvGrpSpPr>
+      <p:grpSpPr>
+        <a:xfrm>
+          <a:off x="0" y="0"/>
+          <a:ext cx="0" cy="0"/>
+          <a:chOff x="0" y="0"/>
+          <a:chExt cx="0" cy="0"/>
+        </a:xfrm>
+      </p:grpSpPr>
+      <p:pic>
+        <p:nvPicPr>
+          <p:cNvPr id="8" name="Picture 7">
+            <a:extLst>
+              <a:ext uri="{FF2B5EF4-FFF2-40B4-BE49-F238E27FC236}">
+                <a16:creationId xmlns:a16="http://schemas.microsoft.com/office/drawing/2014/main" id="{E7DC141E-F382-5FB4-2BE3-EE49FF67D85B}"/>
+              </a:ext>
+            </a:extLst>
+          </p:cNvPr>
+          <p:cNvPicPr>
+            <a:picLocks noChangeAspect="1"/>
+          </p:cNvPicPr>
+          <p:nvPr/>
+        </p:nvPicPr>
+        <p:blipFill>
+          <a:blip r:embed="rId2">
+            <a:extLst>
+              <a:ext uri="{96DAC541-7B7A-43D3-8B79-37D633B846F1}">
+                <asvg:svgBlip xmlns:asvg="http://schemas.microsoft.com/office/drawing/2016/SVG/main" r:embed="rId3"/>
+              </a:ext>
+            </a:extLst>
+          </a:blip>
+          <a:srcRect/>
+          <a:stretch/>
+        </p:blipFill>
+        <p:spPr>
+          <a:xfrm>
+            <a:off x="1026410" y="541926"/>
+            <a:ext cx="10136004" cy="5774147"/>
+          </a:xfrm>
+          <a:prstGeom prst="rect">
+            <a:avLst/>
+          </a:prstGeom>
+        </p:spPr>
+      </p:pic>
+    </p:spTree>
+    <p:extLst>
+      <p:ext uri="{BB962C8B-B14F-4D97-AF65-F5344CB8AC3E}">
+        <p14:creationId xmlns:p14="http://schemas.microsoft.com/office/powerpoint/2010/main" val="613985793"/>
+      </p:ext>
+    </p:extLst>
+  </p:cSld>
+  <p:clrMapOvr>
+    <a:masterClrMapping/>
+  </p:clrMapOvr>
+  <mc:AlternateContent xmlns:mc="http://schemas.openxmlformats.org/markup-compatibility/2006">
+    <mc:Choice xmlns:p14="http://schemas.microsoft.com/office/powerpoint/2010/main" Requires="p14">
+      <p:transition spd="med" p14:dur="700">
+        <p:fade/>
+      </p:transition>
+    </mc:Choice>
+    <mc:Fallback>
+      <p:transition spd="med">
+        <p:fade/>
+      </p:transition>
+    </mc:Fallback>
+  </mc:AlternateContent>
+</p:sld>
+</file>
+
+<file path=ppt/slides/slide5.xml><?xml version="1.0" encoding="utf-8"?>
+<p:sld xmlns:a="http://schemas.openxmlformats.org/drawingml/2006/main" xmlns:r="http://schemas.openxmlformats.org/officeDocument/2006/relationships" xmlns:p="http://schemas.openxmlformats.org/presentationml/2006/main">
+  <p:cSld>
+    <p:spTree>
+      <p:nvGrpSpPr>
+        <p:cNvPr id="1" name=""/>
+        <p:cNvGrpSpPr/>
+        <p:nvPr/>
+      </p:nvGrpSpPr>
+      <p:grpSpPr>
+        <a:xfrm>
+          <a:off x="0" y="0"/>
+          <a:ext cx="0" cy="0"/>
+          <a:chOff x="0" y="0"/>
+          <a:chExt cx="0" cy="0"/>
+        </a:xfrm>
+      </p:grpSpPr>
+      <p:pic>
+        <p:nvPicPr>
+          <p:cNvPr id="8" name="Picture 7">
+            <a:extLst>
+              <a:ext uri="{FF2B5EF4-FFF2-40B4-BE49-F238E27FC236}">
+                <a16:creationId xmlns:a16="http://schemas.microsoft.com/office/drawing/2014/main" id="{E7DC141E-F382-5FB4-2BE3-EE49FF67D85B}"/>
+              </a:ext>
+            </a:extLst>
+          </p:cNvPr>
+          <p:cNvPicPr>
+            <a:picLocks noChangeAspect="1"/>
+          </p:cNvPicPr>
+          <p:nvPr/>
+        </p:nvPicPr>
+        <p:blipFill>
+          <a:blip r:embed="rId2">
+            <a:extLst>
+              <a:ext uri="{96DAC541-7B7A-43D3-8B79-37D633B846F1}">
+                <asvg:svgBlip xmlns:asvg="http://schemas.microsoft.com/office/drawing/2016/SVG/main" r:embed="rId3"/>
+              </a:ext>
+            </a:extLst>
+          </a:blip>
+          <a:srcRect/>
+          <a:stretch/>
+        </p:blipFill>
+        <p:spPr>
+          <a:xfrm>
+            <a:off x="1026410" y="625927"/>
+            <a:ext cx="10136004" cy="5606144"/>
+          </a:xfrm>
+          <a:prstGeom prst="rect">
+            <a:avLst/>
+          </a:prstGeom>
+        </p:spPr>
+      </p:pic>
+    </p:spTree>
+    <p:extLst>
+      <p:ext uri="{BB962C8B-B14F-4D97-AF65-F5344CB8AC3E}">
+        <p14:creationId xmlns:p14="http://schemas.microsoft.com/office/powerpoint/2010/main" val="2726344053"/>
+      </p:ext>
+    </p:extLst>
+  </p:cSld>
+  <p:clrMapOvr>
+    <a:masterClrMapping/>
+  </p:clrMapOvr>
+  <mc:AlternateContent xmlns:mc="http://schemas.openxmlformats.org/markup-compatibility/2006">
+    <mc:Choice xmlns:p14="http://schemas.microsoft.com/office/powerpoint/2010/main" Requires="p14">
+      <p:transition spd="med" p14:dur="700">
+        <p:fade/>
+      </p:transition>
+    </mc:Choice>
+    <mc:Fallback>
+      <p:transition spd="med">
+        <p:fade/>
+      </p:transition>
+    </mc:Fallback>
+  </mc:AlternateContent>
+</p:sld>
+</file>
+
+<file path=ppt/slides/slide6.xml><?xml version="1.0" encoding="utf-8"?>
+<p:sld xmlns:a="http://schemas.openxmlformats.org/drawingml/2006/main" xmlns:r="http://schemas.openxmlformats.org/officeDocument/2006/relationships" xmlns:p="http://schemas.openxmlformats.org/presentationml/2006/main">
+  <p:cSld>
+    <p:spTree>
+      <p:nvGrpSpPr>
+        <p:cNvPr id="1" name=""/>
+        <p:cNvGrpSpPr/>
+        <p:nvPr/>
+      </p:nvGrpSpPr>
+      <p:grpSpPr>
+        <a:xfrm>
+          <a:off x="0" y="0"/>
+          <a:ext cx="0" cy="0"/>
+          <a:chOff x="0" y="0"/>
+          <a:chExt cx="0" cy="0"/>
+        </a:xfrm>
+      </p:grpSpPr>
+      <p:pic>
+        <p:nvPicPr>
+          <p:cNvPr id="3" name="Picture 2">
+            <a:extLst>
+              <a:ext uri="{FF2B5EF4-FFF2-40B4-BE49-F238E27FC236}">
+                <a16:creationId xmlns:a16="http://schemas.microsoft.com/office/drawing/2014/main" id="{32F971EA-227A-8F86-6099-669DA327CBAB}"/>
+              </a:ext>
+            </a:extLst>
+          </p:cNvPr>
+          <p:cNvPicPr>
+            <a:picLocks noChangeAspect="1"/>
+          </p:cNvPicPr>
+          <p:nvPr/>
+        </p:nvPicPr>
+        <p:blipFill>
+          <a:blip r:embed="rId2">
+            <a:extLst>
+              <a:ext uri="{28A0092B-C50C-407E-A947-70E740481C1C}">
+                <a14:useLocalDpi xmlns:a14="http://schemas.microsoft.com/office/drawing/2010/main" val="0"/>
+              </a:ext>
+            </a:extLst>
+          </a:blip>
+          <a:srcRect/>
+          <a:stretch/>
+        </p:blipFill>
+        <p:spPr>
+          <a:xfrm>
+            <a:off x="693812" y="1772816"/>
+            <a:ext cx="9763050" cy="3167102"/>
+          </a:xfrm>
+          <a:prstGeom prst="rect">
+            <a:avLst/>
+          </a:prstGeom>
+        </p:spPr>
+      </p:pic>
+      <p:sp>
+        <p:nvSpPr>
+          <p:cNvPr id="4" name="TextBox 3">
+            <a:extLst>
+              <a:ext uri="{FF2B5EF4-FFF2-40B4-BE49-F238E27FC236}">
+                <a16:creationId xmlns:a16="http://schemas.microsoft.com/office/drawing/2014/main" id="{78FC98DE-8926-BB3F-9A4A-57664E9DEF39}"/>
+              </a:ext>
+            </a:extLst>
+          </p:cNvPr>
+          <p:cNvSpPr txBox="1"/>
+          <p:nvPr/>
+        </p:nvSpPr>
+        <p:spPr>
+          <a:xfrm>
+            <a:off x="693812" y="260648"/>
+            <a:ext cx="8568952" cy="707886"/>
+          </a:xfrm>
+          <a:prstGeom prst="rect">
+            <a:avLst/>
+          </a:prstGeom>
+          <a:noFill/>
+          <a:ln>
+            <a:solidFill>
+              <a:schemeClr val="bg2"/>
+            </a:solidFill>
+          </a:ln>
+        </p:spPr>
+        <p:txBody>
+          <a:bodyPr wrap="square" rtlCol="0" anchor="ctr" anchorCtr="1">
+            <a:spAutoFit/>
+          </a:bodyPr>
+          <a:lstStyle/>
+          <a:p>
+            <a:r>
+              <a:rPr lang="en-US" sz="4000" dirty="0"/>
+              <a:t>Who are the Top Sales Reps by Region?</a:t>
+            </a:r>
+            <a:endParaRPr lang="en-GB" sz="4000" dirty="0"/>
+          </a:p>
+        </p:txBody>
+      </p:sp>
+    </p:spTree>
+    <p:extLst>
+      <p:ext uri="{BB962C8B-B14F-4D97-AF65-F5344CB8AC3E}">
+        <p14:creationId xmlns:p14="http://schemas.microsoft.com/office/powerpoint/2010/main" val="1449751826"/>
+      </p:ext>
+    </p:extLst>
+  </p:cSld>
+  <p:clrMapOvr>
+    <a:masterClrMapping/>
+  </p:clrMapOvr>
+  <mc:AlternateContent xmlns:mc="http://schemas.openxmlformats.org/markup-compatibility/2006">
+    <mc:Choice xmlns:p14="http://schemas.microsoft.com/office/powerpoint/2010/main" Requires="p14">
+      <p:transition spd="med" p14:dur="700">
+        <p:fade/>
+      </p:transition>
+    </mc:Choice>
+    <mc:Fallback>
+      <p:transition spd="med">
+        <p:fade/>
+      </p:transition>
+    </mc:Fallback>
+  </mc:AlternateContent>
+</p:sld>
+</file>
+
+<file path=ppt/slides/slide7.xml><?xml version="1.0" encoding="utf-8"?>
+<p:sld xmlns:a="http://schemas.openxmlformats.org/drawingml/2006/main" xmlns:r="http://schemas.openxmlformats.org/officeDocument/2006/relationships" xmlns:p="http://schemas.openxmlformats.org/presentationml/2006/main">
+  <p:cSld>
+    <p:spTree>
+      <p:nvGrpSpPr>
+        <p:cNvPr id="1" name=""/>
+        <p:cNvGrpSpPr/>
+        <p:nvPr/>
+      </p:nvGrpSpPr>
+      <p:grpSpPr>
+        <a:xfrm>
+          <a:off x="0" y="0"/>
+          <a:ext cx="0" cy="0"/>
+          <a:chOff x="0" y="0"/>
+          <a:chExt cx="0" cy="0"/>
+        </a:xfrm>
+      </p:grpSpPr>
+      <p:pic>
+        <p:nvPicPr>
+          <p:cNvPr id="2" name="Picture 1">
+            <a:extLst>
+              <a:ext uri="{FF2B5EF4-FFF2-40B4-BE49-F238E27FC236}">
+                <a16:creationId xmlns:a16="http://schemas.microsoft.com/office/drawing/2014/main" id="{A03C3673-33AB-A3D8-12E3-100046B4E2FB}"/>
+              </a:ext>
+            </a:extLst>
+          </p:cNvPr>
+          <p:cNvPicPr>
+            <a:picLocks noChangeAspect="1"/>
+          </p:cNvPicPr>
+          <p:nvPr/>
+        </p:nvPicPr>
+        <p:blipFill>
+          <a:blip r:embed="rId2"/>
+          <a:stretch>
+            <a:fillRect/>
+          </a:stretch>
+        </p:blipFill>
+        <p:spPr>
+          <a:xfrm>
+            <a:off x="960817" y="692696"/>
+            <a:ext cx="10390179" cy="5538162"/>
+          </a:xfrm>
+          <a:prstGeom prst="rect">
+            <a:avLst/>
+          </a:prstGeom>
+        </p:spPr>
+      </p:pic>
+    </p:spTree>
+    <p:extLst>
+      <p:ext uri="{BB962C8B-B14F-4D97-AF65-F5344CB8AC3E}">
+        <p14:creationId xmlns:p14="http://schemas.microsoft.com/office/powerpoint/2010/main" val="3134036953"/>
+      </p:ext>
+    </p:extLst>
+  </p:cSld>
+  <p:clrMapOvr>
+    <a:masterClrMapping/>
+  </p:clrMapOvr>
+  <mc:AlternateContent xmlns:mc="http://schemas.openxmlformats.org/markup-compatibility/2006">
+    <mc:Choice xmlns:p14="http://schemas.microsoft.com/office/powerpoint/2010/main" Requires="p14">
+      <p:transition spd="med" p14:dur="700">
+        <p:fade/>
+      </p:transition>
+    </mc:Choice>
+    <mc:Fallback>
+      <p:transition spd="med">
+        <p:fade/>
+      </p:transition>
+    </mc:Fallback>
+  </mc:AlternateContent>
+</p:sld>
+</file>
+
+<file path=ppt/slides/slide8.xml><?xml version="1.0" encoding="utf-8"?>
 <p:sld xmlns:a="http://schemas.openxmlformats.org/drawingml/2006/main" xmlns:r="http://schemas.openxmlformats.org/officeDocument/2006/relationships" xmlns:p="http://schemas.openxmlformats.org/presentationml/2006/main">
   <p:cSld>
     <p:spTree>
